--- a/WeeklyTest1 - OO Bangun Ruang dan Datar/Weekly Test 1.pptx
+++ b/WeeklyTest1 - OO Bangun Ruang dan Datar/Weekly Test 1.pptx
@@ -129,6 +129,11 @@
       </a:defRPr>
     </a:lvl9pPr>
   </p:defaultTextStyle>
+  <p:extLst>
+    <p:ext uri="{EFAFB233-063F-42B5-8137-9DF3F51BA10A}">
+      <p15:sldGuideLst xmlns:p15="http://schemas.microsoft.com/office/powerpoint/2012/main"/>
+    </p:ext>
+  </p:extLst>
 </p:presentation>
 </file>
 
@@ -349,7 +354,7 @@
           <a:p>
             <a:fld id="{9AB3A824-1A51-4B26-AD58-A6D8E14F6C04}" type="datetimeFigureOut">
               <a:rPr lang="en-US" dirty="0"/>
-              <a:t>3/4/2020</a:t>
+              <a:t>3/5/2020</a:t>
             </a:fld>
             <a:endParaRPr lang="en-US" dirty="0"/>
           </a:p>
@@ -683,7 +688,7 @@
           <a:p>
             <a:fld id="{D857E33E-8B18-4087-B112-809917729534}" type="datetimeFigureOut">
               <a:rPr lang="en-US" dirty="0"/>
-              <a:t>3/4/2020</a:t>
+              <a:t>3/5/2020</a:t>
             </a:fld>
             <a:endParaRPr lang="en-US" dirty="0"/>
           </a:p>
@@ -985,7 +990,7 @@
           <a:p>
             <a:fld id="{D3FFE419-2371-464F-8239-3959401C3561}" type="datetimeFigureOut">
               <a:rPr lang="en-US" dirty="0"/>
-              <a:t>3/4/2020</a:t>
+              <a:t>3/5/2020</a:t>
             </a:fld>
             <a:endParaRPr lang="en-US" dirty="0"/>
           </a:p>
@@ -1232,7 +1237,7 @@
           <a:p>
             <a:fld id="{97D162C4-EDD9-4389-A98B-B87ECEA2A816}" type="datetimeFigureOut">
               <a:rPr lang="en-US" dirty="0"/>
-              <a:t>3/4/2020</a:t>
+              <a:t>3/5/2020</a:t>
             </a:fld>
             <a:endParaRPr lang="en-US" dirty="0"/>
           </a:p>
@@ -1639,7 +1644,7 @@
           <a:p>
             <a:fld id="{3E5059C3-6A89-4494-99FF-5A4D6FFD50EB}" type="datetimeFigureOut">
               <a:rPr lang="en-US" dirty="0"/>
-              <a:t>3/4/2020</a:t>
+              <a:t>3/5/2020</a:t>
             </a:fld>
             <a:endParaRPr lang="en-US" dirty="0"/>
           </a:p>
@@ -1953,7 +1958,7 @@
           <a:p>
             <a:fld id="{CA954B2F-12DE-47F5-8894-472B206D2E1E}" type="datetimeFigureOut">
               <a:rPr lang="en-US" dirty="0"/>
-              <a:t>3/4/2020</a:t>
+              <a:t>3/5/2020</a:t>
             </a:fld>
             <a:endParaRPr lang="en-US" dirty="0"/>
           </a:p>
@@ -2497,7 +2502,7 @@
           <a:p>
             <a:fld id="{3F30E46F-7819-4ACF-B48B-48222C2ACC88}" type="datetimeFigureOut">
               <a:rPr lang="en-US" dirty="0"/>
-              <a:t>3/4/2020</a:t>
+              <a:t>3/5/2020</a:t>
             </a:fld>
             <a:endParaRPr lang="en-US" dirty="0"/>
           </a:p>
@@ -2692,7 +2697,7 @@
           <a:p>
             <a:fld id="{1FAF3416-4057-4DAA-829D-4CA07428D088}" type="datetimeFigureOut">
               <a:rPr lang="en-US" dirty="0"/>
-              <a:t>3/4/2020</a:t>
+              <a:t>3/5/2020</a:t>
             </a:fld>
             <a:endParaRPr lang="en-US" dirty="0"/>
           </a:p>
@@ -2905,7 +2910,7 @@
           <a:p>
             <a:fld id="{921D9284-D300-4297-87F7-E791DCC15DB1}" type="datetimeFigureOut">
               <a:rPr lang="en-US" dirty="0"/>
-              <a:t>3/4/2020</a:t>
+              <a:t>3/5/2020</a:t>
             </a:fld>
             <a:endParaRPr lang="en-US" dirty="0"/>
           </a:p>
@@ -3274,7 +3279,7 @@
           <a:p>
             <a:fld id="{37D525BB-DA17-4BA0-B3C8-3AC3ABC827E6}" type="datetimeFigureOut">
               <a:rPr lang="en-US" dirty="0"/>
-              <a:t>3/4/2020</a:t>
+              <a:t>3/5/2020</a:t>
             </a:fld>
             <a:endParaRPr lang="en-US" dirty="0"/>
           </a:p>
@@ -3677,7 +3682,7 @@
           <a:p>
             <a:fld id="{B16C4C9A-3960-41CF-A4E9-2A8FB932454B}" type="datetimeFigureOut">
               <a:rPr lang="en-US" dirty="0"/>
-              <a:t>3/4/2020</a:t>
+              <a:t>3/5/2020</a:t>
             </a:fld>
             <a:endParaRPr lang="en-US" dirty="0"/>
           </a:p>
@@ -4015,7 +4020,7 @@
           <a:p>
             <a:fld id="{3CBC1C18-307B-4F68-A007-B5B542270E8D}" type="datetimeFigureOut">
               <a:rPr lang="en-US" dirty="0"/>
-              <a:t>3/4/2020</a:t>
+              <a:t>3/5/2020</a:t>
             </a:fld>
             <a:endParaRPr lang="en-US" dirty="0"/>
           </a:p>
@@ -6622,6 +6627,206 @@
           </a:graphicData>
         </a:graphic>
       </p:graphicFrame>
+      <p:sp>
+        <p:nvSpPr>
+          <p:cNvPr id="3" name="Rectangle 2"/>
+          <p:cNvSpPr/>
+          <p:nvPr/>
+        </p:nvSpPr>
+        <p:spPr>
+          <a:xfrm>
+            <a:off x="1308100" y="4610100"/>
+            <a:ext cx="850900" cy="800100"/>
+          </a:xfrm>
+          <a:prstGeom prst="rect">
+            <a:avLst/>
+          </a:prstGeom>
+        </p:spPr>
+        <p:style>
+          <a:lnRef idx="2">
+            <a:schemeClr val="accent1">
+              <a:shade val="50000"/>
+            </a:schemeClr>
+          </a:lnRef>
+          <a:fillRef idx="1">
+            <a:schemeClr val="accent1"/>
+          </a:fillRef>
+          <a:effectRef idx="0">
+            <a:schemeClr val="accent1"/>
+          </a:effectRef>
+          <a:fontRef idx="minor">
+            <a:schemeClr val="lt1"/>
+          </a:fontRef>
+        </p:style>
+        <p:txBody>
+          <a:bodyPr rtlCol="0" anchor="ctr"/>
+          <a:lstStyle/>
+          <a:p>
+            <a:pPr algn="ctr"/>
+            <a:endParaRPr lang="en-US"/>
+          </a:p>
+        </p:txBody>
+      </p:sp>
+      <p:sp>
+        <p:nvSpPr>
+          <p:cNvPr id="5" name="Oval 4"/>
+          <p:cNvSpPr/>
+          <p:nvPr/>
+        </p:nvSpPr>
+        <p:spPr>
+          <a:xfrm>
+            <a:off x="2611808" y="5295900"/>
+            <a:ext cx="982292" cy="952500"/>
+          </a:xfrm>
+          <a:prstGeom prst="ellipse">
+            <a:avLst/>
+          </a:prstGeom>
+        </p:spPr>
+        <p:style>
+          <a:lnRef idx="2">
+            <a:schemeClr val="accent1">
+              <a:shade val="50000"/>
+            </a:schemeClr>
+          </a:lnRef>
+          <a:fillRef idx="1">
+            <a:schemeClr val="accent1"/>
+          </a:fillRef>
+          <a:effectRef idx="0">
+            <a:schemeClr val="accent1"/>
+          </a:effectRef>
+          <a:fontRef idx="minor">
+            <a:schemeClr val="lt1"/>
+          </a:fontRef>
+        </p:style>
+        <p:txBody>
+          <a:bodyPr rtlCol="0" anchor="ctr"/>
+          <a:lstStyle/>
+          <a:p>
+            <a:pPr algn="ctr"/>
+            <a:endParaRPr lang="en-US"/>
+          </a:p>
+        </p:txBody>
+      </p:sp>
+      <p:sp>
+        <p:nvSpPr>
+          <p:cNvPr id="6" name="Isosceles Triangle 5"/>
+          <p:cNvSpPr/>
+          <p:nvPr/>
+        </p:nvSpPr>
+        <p:spPr>
+          <a:xfrm>
+            <a:off x="4559300" y="4610100"/>
+            <a:ext cx="952500" cy="800100"/>
+          </a:xfrm>
+          <a:prstGeom prst="triangle">
+            <a:avLst/>
+          </a:prstGeom>
+        </p:spPr>
+        <p:style>
+          <a:lnRef idx="2">
+            <a:schemeClr val="accent1">
+              <a:shade val="50000"/>
+            </a:schemeClr>
+          </a:lnRef>
+          <a:fillRef idx="1">
+            <a:schemeClr val="accent1"/>
+          </a:fillRef>
+          <a:effectRef idx="0">
+            <a:schemeClr val="accent1"/>
+          </a:effectRef>
+          <a:fontRef idx="minor">
+            <a:schemeClr val="lt1"/>
+          </a:fontRef>
+        </p:style>
+        <p:txBody>
+          <a:bodyPr rtlCol="0" anchor="ctr"/>
+          <a:lstStyle/>
+          <a:p>
+            <a:pPr algn="ctr"/>
+            <a:endParaRPr lang="en-US"/>
+          </a:p>
+        </p:txBody>
+      </p:sp>
+      <p:sp>
+        <p:nvSpPr>
+          <p:cNvPr id="7" name="Cube 6"/>
+          <p:cNvSpPr/>
+          <p:nvPr/>
+        </p:nvSpPr>
+        <p:spPr>
+          <a:xfrm>
+            <a:off x="6921500" y="4737100"/>
+            <a:ext cx="990600" cy="914400"/>
+          </a:xfrm>
+          <a:prstGeom prst="cube">
+            <a:avLst/>
+          </a:prstGeom>
+        </p:spPr>
+        <p:style>
+          <a:lnRef idx="2">
+            <a:schemeClr val="accent1">
+              <a:shade val="50000"/>
+            </a:schemeClr>
+          </a:lnRef>
+          <a:fillRef idx="1">
+            <a:schemeClr val="accent1"/>
+          </a:fillRef>
+          <a:effectRef idx="0">
+            <a:schemeClr val="accent1"/>
+          </a:effectRef>
+          <a:fontRef idx="minor">
+            <a:schemeClr val="lt1"/>
+          </a:fontRef>
+        </p:style>
+        <p:txBody>
+          <a:bodyPr rtlCol="0" anchor="ctr"/>
+          <a:lstStyle/>
+          <a:p>
+            <a:pPr algn="ctr"/>
+            <a:endParaRPr lang="en-US"/>
+          </a:p>
+        </p:txBody>
+      </p:sp>
+      <p:sp>
+        <p:nvSpPr>
+          <p:cNvPr id="8" name="Can 7"/>
+          <p:cNvSpPr/>
+          <p:nvPr/>
+        </p:nvSpPr>
+        <p:spPr>
+          <a:xfrm>
+            <a:off x="9004300" y="4991100"/>
+            <a:ext cx="825500" cy="1168400"/>
+          </a:xfrm>
+          <a:prstGeom prst="can">
+            <a:avLst/>
+          </a:prstGeom>
+        </p:spPr>
+        <p:style>
+          <a:lnRef idx="2">
+            <a:schemeClr val="accent1">
+              <a:shade val="50000"/>
+            </a:schemeClr>
+          </a:lnRef>
+          <a:fillRef idx="1">
+            <a:schemeClr val="accent1"/>
+          </a:fillRef>
+          <a:effectRef idx="0">
+            <a:schemeClr val="accent1"/>
+          </a:effectRef>
+          <a:fontRef idx="minor">
+            <a:schemeClr val="lt1"/>
+          </a:fontRef>
+        </p:style>
+        <p:txBody>
+          <a:bodyPr rtlCol="0" anchor="ctr"/>
+          <a:lstStyle/>
+          <a:p>
+            <a:pPr algn="ctr"/>
+            <a:endParaRPr lang="en-US"/>
+          </a:p>
+        </p:txBody>
+      </p:sp>
     </p:spTree>
     <p:extLst>
       <p:ext uri="{BB962C8B-B14F-4D97-AF65-F5344CB8AC3E}">

--- a/WeeklyTest1 - OO Bangun Ruang dan Datar/Weekly Test 1.pptx
+++ b/WeeklyTest1 - OO Bangun Ruang dan Datar/Weekly Test 1.pptx
@@ -23,14 +23,13 @@
     <p:sldId id="271" r:id="rId17"/>
     <p:sldId id="270" r:id="rId18"/>
     <p:sldId id="273" r:id="rId19"/>
-    <p:sldId id="281" r:id="rId20"/>
-    <p:sldId id="272" r:id="rId21"/>
-    <p:sldId id="275" r:id="rId22"/>
-    <p:sldId id="276" r:id="rId23"/>
-    <p:sldId id="277" r:id="rId24"/>
-    <p:sldId id="278" r:id="rId25"/>
-    <p:sldId id="279" r:id="rId26"/>
-    <p:sldId id="280" r:id="rId27"/>
+    <p:sldId id="272" r:id="rId20"/>
+    <p:sldId id="275" r:id="rId21"/>
+    <p:sldId id="276" r:id="rId22"/>
+    <p:sldId id="277" r:id="rId23"/>
+    <p:sldId id="278" r:id="rId24"/>
+    <p:sldId id="279" r:id="rId25"/>
+    <p:sldId id="280" r:id="rId26"/>
   </p:sldIdLst>
   <p:sldSz cx="12192000" cy="6858000"/>
   <p:notesSz cx="6858000" cy="9144000"/>
@@ -5643,8 +5642,8 @@
         </p:blipFill>
         <p:spPr>
           <a:xfrm>
-            <a:off x="3393581" y="1224974"/>
-            <a:ext cx="5762978" cy="4205963"/>
+            <a:off x="3393581" y="1388096"/>
+            <a:ext cx="5762978" cy="3879719"/>
           </a:xfrm>
         </p:spPr>
       </p:pic>
@@ -6138,8 +6137,8 @@
         </p:blipFill>
         <p:spPr>
           <a:xfrm>
-            <a:off x="3048001" y="1065297"/>
-            <a:ext cx="6454138" cy="4525318"/>
+            <a:off x="2668960" y="2457515"/>
+            <a:ext cx="7212220" cy="1740880"/>
           </a:xfrm>
         </p:spPr>
       </p:pic>
@@ -6167,7 +6166,7 @@
           <a:p>
             <a:r>
               <a:rPr lang="en-US" b="1" dirty="0" smtClean="0"/>
-              <a:t>Sub Class </a:t>
+              <a:t>Result </a:t>
             </a:r>
             <a:r>
               <a:rPr lang="en-US" b="1" dirty="0" err="1" smtClean="0"/>
@@ -6180,14 +6179,6 @@
             <a:r>
               <a:rPr lang="en-US" b="1" dirty="0" err="1" smtClean="0"/>
               <a:t>Ruang</a:t>
-            </a:r>
-            <a:r>
-              <a:rPr lang="en-US" b="1" dirty="0" smtClean="0"/>
-              <a:t>: </a:t>
-            </a:r>
-            <a:r>
-              <a:rPr lang="en-US" b="1" dirty="0" err="1" smtClean="0"/>
-              <a:t>Kerucut</a:t>
             </a:r>
             <a:endParaRPr lang="en-US" b="1" dirty="0"/>
           </a:p>
@@ -6196,7 +6187,7 @@
     </p:spTree>
     <p:extLst>
       <p:ext uri="{BB962C8B-B14F-4D97-AF65-F5344CB8AC3E}">
-        <p14:creationId xmlns:p14="http://schemas.microsoft.com/office/powerpoint/2010/main" val="2844811825"/>
+        <p14:creationId xmlns:p14="http://schemas.microsoft.com/office/powerpoint/2010/main" val="368768294"/>
       </p:ext>
     </p:extLst>
   </p:cSld>
@@ -6879,23 +6870,7 @@
           <a:p>
             <a:r>
               <a:rPr lang="en-US" dirty="0" smtClean="0"/>
-              <a:t>Coding </a:t>
-            </a:r>
-            <a:r>
-              <a:rPr lang="en-US" dirty="0" err="1" smtClean="0"/>
-              <a:t>Polimorfisme</a:t>
-            </a:r>
-            <a:r>
-              <a:rPr lang="en-US" dirty="0" smtClean="0"/>
-              <a:t> + </a:t>
-            </a:r>
-            <a:r>
-              <a:rPr lang="en-US" dirty="0" err="1" smtClean="0"/>
-              <a:t>Enkapsulasi</a:t>
-            </a:r>
-            <a:r>
-              <a:rPr lang="en-US" dirty="0" smtClean="0"/>
-              <a:t> </a:t>
+              <a:t>Coding Abstract Class </a:t>
             </a:r>
             <a:r>
               <a:rPr lang="en-US" dirty="0" err="1" smtClean="0"/>
@@ -6907,7 +6882,7 @@
             </a:r>
             <a:r>
               <a:rPr lang="en-US" dirty="0" err="1" smtClean="0"/>
-              <a:t>Ruang</a:t>
+              <a:t>Datar</a:t>
             </a:r>
             <a:endParaRPr lang="en-US" dirty="0"/>
           </a:p>
@@ -6937,8 +6912,8 @@
         </p:blipFill>
         <p:spPr>
           <a:xfrm>
-            <a:off x="2668960" y="2236310"/>
-            <a:ext cx="7212220" cy="2183290"/>
+            <a:off x="2933700" y="1433364"/>
+            <a:ext cx="6682740" cy="3789182"/>
           </a:xfrm>
         </p:spPr>
       </p:pic>
@@ -6950,8 +6925,8 @@
         </p:nvSpPr>
         <p:spPr>
           <a:xfrm>
-            <a:off x="4070605" y="5891499"/>
-            <a:ext cx="5600700" cy="369332"/>
+            <a:off x="3664205" y="5487241"/>
+            <a:ext cx="5600700" cy="923330"/>
           </a:xfrm>
           <a:prstGeom prst="rect">
             <a:avLst/>
@@ -6966,19 +6941,87 @@
           <a:p>
             <a:r>
               <a:rPr lang="en-US" b="1" dirty="0" smtClean="0"/>
-              <a:t>Result </a:t>
+              <a:t>Parent Abstract Class Shape </a:t>
             </a:r>
             <a:r>
               <a:rPr lang="en-US" b="1" dirty="0" err="1" smtClean="0"/>
-              <a:t>Bangun</a:t>
+              <a:t>dengan</a:t>
             </a:r>
             <a:r>
               <a:rPr lang="en-US" b="1" dirty="0" smtClean="0"/>
-              <a:t> </a:t>
+              <a:t> abstract method </a:t>
             </a:r>
             <a:r>
               <a:rPr lang="en-US" b="1" dirty="0" err="1" smtClean="0"/>
-              <a:t>Ruang</a:t>
+              <a:t>getArea</a:t>
+            </a:r>
+            <a:r>
+              <a:rPr lang="en-US" b="1" dirty="0" smtClean="0"/>
+              <a:t>() </a:t>
+            </a:r>
+            <a:r>
+              <a:rPr lang="en-US" b="1" dirty="0" err="1" smtClean="0"/>
+              <a:t>untuk</a:t>
+            </a:r>
+            <a:r>
+              <a:rPr lang="en-US" b="1" dirty="0" smtClean="0"/>
+              <a:t> </a:t>
+            </a:r>
+            <a:r>
+              <a:rPr lang="en-US" b="1" dirty="0" err="1" smtClean="0"/>
+              <a:t>mencari</a:t>
+            </a:r>
+            <a:r>
+              <a:rPr lang="en-US" b="1" dirty="0" smtClean="0"/>
+              <a:t> </a:t>
+            </a:r>
+            <a:r>
+              <a:rPr lang="en-US" b="1" dirty="0" err="1" smtClean="0"/>
+              <a:t>luas</a:t>
+            </a:r>
+            <a:r>
+              <a:rPr lang="en-US" b="1" dirty="0" smtClean="0"/>
+              <a:t> </a:t>
+            </a:r>
+            <a:r>
+              <a:rPr lang="en-US" b="1" dirty="0" err="1" smtClean="0"/>
+              <a:t>namun</a:t>
+            </a:r>
+            <a:r>
+              <a:rPr lang="en-US" b="1" dirty="0" smtClean="0"/>
+              <a:t> </a:t>
+            </a:r>
+            <a:r>
+              <a:rPr lang="en-US" b="1" dirty="0" err="1" smtClean="0"/>
+              <a:t>belum</a:t>
+            </a:r>
+            <a:r>
+              <a:rPr lang="en-US" b="1" dirty="0" smtClean="0"/>
+              <a:t> </a:t>
+            </a:r>
+            <a:r>
+              <a:rPr lang="en-US" b="1" dirty="0" err="1" smtClean="0"/>
+              <a:t>memiliki</a:t>
+            </a:r>
+            <a:r>
+              <a:rPr lang="en-US" b="1" dirty="0" smtClean="0"/>
+              <a:t> </a:t>
+            </a:r>
+            <a:r>
+              <a:rPr lang="en-US" b="1" dirty="0" err="1" smtClean="0"/>
+              <a:t>bentuk</a:t>
+            </a:r>
+            <a:r>
+              <a:rPr lang="en-US" b="1" dirty="0" smtClean="0"/>
+              <a:t> </a:t>
+            </a:r>
+            <a:r>
+              <a:rPr lang="en-US" b="1" dirty="0" err="1" smtClean="0"/>
+              <a:t>kongkrit</a:t>
+            </a:r>
+            <a:r>
+              <a:rPr lang="en-US" b="1" dirty="0" smtClean="0"/>
+              <a:t>.</a:t>
             </a:r>
             <a:endParaRPr lang="en-US" b="1" dirty="0"/>
           </a:p>
@@ -6987,7 +7030,7 @@
     </p:spTree>
     <p:extLst>
       <p:ext uri="{BB962C8B-B14F-4D97-AF65-F5344CB8AC3E}">
-        <p14:creationId xmlns:p14="http://schemas.microsoft.com/office/powerpoint/2010/main" val="368768294"/>
+        <p14:creationId xmlns:p14="http://schemas.microsoft.com/office/powerpoint/2010/main" val="1533018217"/>
       </p:ext>
     </p:extLst>
   </p:cSld>
@@ -7078,8 +7121,8 @@
         </p:blipFill>
         <p:spPr>
           <a:xfrm>
-            <a:off x="2933700" y="1433364"/>
-            <a:ext cx="6682740" cy="3789182"/>
+            <a:off x="3822700" y="1173595"/>
+            <a:ext cx="4904740" cy="4308720"/>
           </a:xfrm>
         </p:spPr>
       </p:pic>
@@ -7092,7 +7135,7 @@
         <p:spPr>
           <a:xfrm>
             <a:off x="3664205" y="5487241"/>
-            <a:ext cx="5600700" cy="923330"/>
+            <a:ext cx="5600700" cy="1200329"/>
           </a:xfrm>
           <a:prstGeom prst="rect">
             <a:avLst/>
@@ -7107,7 +7150,47 @@
           <a:p>
             <a:r>
               <a:rPr lang="en-US" b="1" dirty="0" smtClean="0"/>
-              <a:t>Parent Abstract Class Shape </a:t>
+              <a:t>Sub Class Shape: Triangle. Method abstract </a:t>
+            </a:r>
+            <a:r>
+              <a:rPr lang="en-US" b="1" dirty="0" err="1" smtClean="0"/>
+              <a:t>getArea</a:t>
+            </a:r>
+            <a:r>
+              <a:rPr lang="en-US" b="1" dirty="0" smtClean="0"/>
+              <a:t>() parent class Shape </a:t>
+            </a:r>
+            <a:r>
+              <a:rPr lang="en-US" b="1" dirty="0" err="1" smtClean="0"/>
+              <a:t>mulai</a:t>
+            </a:r>
+            <a:r>
+              <a:rPr lang="en-US" b="1" dirty="0" smtClean="0"/>
+              <a:t> </a:t>
+            </a:r>
+            <a:r>
+              <a:rPr lang="en-US" b="1" dirty="0" err="1" smtClean="0"/>
+              <a:t>memiliki</a:t>
+            </a:r>
+            <a:r>
+              <a:rPr lang="en-US" b="1" dirty="0" smtClean="0"/>
+              <a:t> </a:t>
+            </a:r>
+            <a:r>
+              <a:rPr lang="en-US" b="1" dirty="0" err="1" smtClean="0"/>
+              <a:t>bentuk</a:t>
+            </a:r>
+            <a:r>
+              <a:rPr lang="en-US" b="1" dirty="0" smtClean="0"/>
+              <a:t> </a:t>
+            </a:r>
+            <a:r>
+              <a:rPr lang="en-US" b="1" dirty="0" err="1" smtClean="0"/>
+              <a:t>kongkrit</a:t>
+            </a:r>
+            <a:r>
+              <a:rPr lang="en-US" b="1" dirty="0" smtClean="0"/>
+              <a:t> </a:t>
             </a:r>
             <a:r>
               <a:rPr lang="en-US" b="1" dirty="0" err="1" smtClean="0"/>
@@ -7115,19 +7198,19 @@
             </a:r>
             <a:r>
               <a:rPr lang="en-US" b="1" dirty="0" smtClean="0"/>
-              <a:t> abstract method </a:t>
+              <a:t> </a:t>
             </a:r>
             <a:r>
               <a:rPr lang="en-US" b="1" dirty="0" err="1" smtClean="0"/>
-              <a:t>getArea</a:t>
+              <a:t>adanya</a:t>
             </a:r>
             <a:r>
               <a:rPr lang="en-US" b="1" dirty="0" smtClean="0"/>
-              <a:t>() </a:t>
+              <a:t> </a:t>
             </a:r>
             <a:r>
               <a:rPr lang="en-US" b="1" dirty="0" err="1" smtClean="0"/>
-              <a:t>untuk</a:t>
+              <a:t>rumus</a:t>
             </a:r>
             <a:r>
               <a:rPr lang="en-US" b="1" dirty="0" smtClean="0"/>
@@ -7135,7 +7218,7 @@
             </a:r>
             <a:r>
               <a:rPr lang="en-US" b="1" dirty="0" err="1" smtClean="0"/>
-              <a:t>mencari</a:t>
+              <a:t>perhitungan</a:t>
             </a:r>
             <a:r>
               <a:rPr lang="en-US" b="1" dirty="0" smtClean="0"/>
@@ -7151,39 +7234,7 @@
             </a:r>
             <a:r>
               <a:rPr lang="en-US" b="1" dirty="0" err="1" smtClean="0"/>
-              <a:t>namun</a:t>
-            </a:r>
-            <a:r>
-              <a:rPr lang="en-US" b="1" dirty="0" smtClean="0"/>
-              <a:t> </a:t>
-            </a:r>
-            <a:r>
-              <a:rPr lang="en-US" b="1" dirty="0" err="1" smtClean="0"/>
-              <a:t>belum</a:t>
-            </a:r>
-            <a:r>
-              <a:rPr lang="en-US" b="1" dirty="0" smtClean="0"/>
-              <a:t> </a:t>
-            </a:r>
-            <a:r>
-              <a:rPr lang="en-US" b="1" dirty="0" err="1" smtClean="0"/>
-              <a:t>memiliki</a:t>
-            </a:r>
-            <a:r>
-              <a:rPr lang="en-US" b="1" dirty="0" smtClean="0"/>
-              <a:t> </a:t>
-            </a:r>
-            <a:r>
-              <a:rPr lang="en-US" b="1" dirty="0" err="1" smtClean="0"/>
-              <a:t>bentuk</a:t>
-            </a:r>
-            <a:r>
-              <a:rPr lang="en-US" b="1" dirty="0" smtClean="0"/>
-              <a:t> </a:t>
-            </a:r>
-            <a:r>
-              <a:rPr lang="en-US" b="1" dirty="0" err="1" smtClean="0"/>
-              <a:t>kongkrit</a:t>
+              <a:t>segitiga</a:t>
             </a:r>
             <a:r>
               <a:rPr lang="en-US" b="1" dirty="0" smtClean="0"/>
@@ -7196,7 +7247,7 @@
     </p:spTree>
     <p:extLst>
       <p:ext uri="{BB962C8B-B14F-4D97-AF65-F5344CB8AC3E}">
-        <p14:creationId xmlns:p14="http://schemas.microsoft.com/office/powerpoint/2010/main" val="1533018217"/>
+        <p14:creationId xmlns:p14="http://schemas.microsoft.com/office/powerpoint/2010/main" val="1312432533"/>
       </p:ext>
     </p:extLst>
   </p:cSld>
@@ -7287,8 +7338,8 @@
         </p:blipFill>
         <p:spPr>
           <a:xfrm>
-            <a:off x="3822700" y="1173595"/>
-            <a:ext cx="4904740" cy="4308720"/>
+            <a:off x="3822700" y="1797889"/>
+            <a:ext cx="4904740" cy="3060131"/>
           </a:xfrm>
         </p:spPr>
       </p:pic>
@@ -7301,7 +7352,7 @@
         <p:spPr>
           <a:xfrm>
             <a:off x="3664205" y="5487241"/>
-            <a:ext cx="5600700" cy="1200329"/>
+            <a:ext cx="5600700" cy="369332"/>
           </a:xfrm>
           <a:prstGeom prst="rect">
             <a:avLst/>
@@ -7316,95 +7367,7 @@
           <a:p>
             <a:r>
               <a:rPr lang="en-US" b="1" dirty="0" smtClean="0"/>
-              <a:t>Sub Class Shape: Triangle. Method abstract </a:t>
-            </a:r>
-            <a:r>
-              <a:rPr lang="en-US" b="1" dirty="0" err="1" smtClean="0"/>
-              <a:t>getArea</a:t>
-            </a:r>
-            <a:r>
-              <a:rPr lang="en-US" b="1" dirty="0" smtClean="0"/>
-              <a:t>() parent class Shape </a:t>
-            </a:r>
-            <a:r>
-              <a:rPr lang="en-US" b="1" dirty="0" err="1" smtClean="0"/>
-              <a:t>mulai</a:t>
-            </a:r>
-            <a:r>
-              <a:rPr lang="en-US" b="1" dirty="0" smtClean="0"/>
-              <a:t> </a:t>
-            </a:r>
-            <a:r>
-              <a:rPr lang="en-US" b="1" dirty="0" err="1" smtClean="0"/>
-              <a:t>memiliki</a:t>
-            </a:r>
-            <a:r>
-              <a:rPr lang="en-US" b="1" dirty="0" smtClean="0"/>
-              <a:t> </a:t>
-            </a:r>
-            <a:r>
-              <a:rPr lang="en-US" b="1" dirty="0" err="1" smtClean="0"/>
-              <a:t>bentuk</a:t>
-            </a:r>
-            <a:r>
-              <a:rPr lang="en-US" b="1" dirty="0" smtClean="0"/>
-              <a:t> </a:t>
-            </a:r>
-            <a:r>
-              <a:rPr lang="en-US" b="1" dirty="0" err="1" smtClean="0"/>
-              <a:t>kongkrit</a:t>
-            </a:r>
-            <a:r>
-              <a:rPr lang="en-US" b="1" dirty="0" smtClean="0"/>
-              <a:t> </a:t>
-            </a:r>
-            <a:r>
-              <a:rPr lang="en-US" b="1" dirty="0" err="1" smtClean="0"/>
-              <a:t>dengan</a:t>
-            </a:r>
-            <a:r>
-              <a:rPr lang="en-US" b="1" dirty="0" smtClean="0"/>
-              <a:t> </a:t>
-            </a:r>
-            <a:r>
-              <a:rPr lang="en-US" b="1" dirty="0" err="1" smtClean="0"/>
-              <a:t>adanya</a:t>
-            </a:r>
-            <a:r>
-              <a:rPr lang="en-US" b="1" dirty="0" smtClean="0"/>
-              <a:t> </a:t>
-            </a:r>
-            <a:r>
-              <a:rPr lang="en-US" b="1" dirty="0" err="1" smtClean="0"/>
-              <a:t>rumus</a:t>
-            </a:r>
-            <a:r>
-              <a:rPr lang="en-US" b="1" dirty="0" smtClean="0"/>
-              <a:t> </a:t>
-            </a:r>
-            <a:r>
-              <a:rPr lang="en-US" b="1" dirty="0" err="1" smtClean="0"/>
-              <a:t>perhitungan</a:t>
-            </a:r>
-            <a:r>
-              <a:rPr lang="en-US" b="1" dirty="0" smtClean="0"/>
-              <a:t> </a:t>
-            </a:r>
-            <a:r>
-              <a:rPr lang="en-US" b="1" dirty="0" err="1" smtClean="0"/>
-              <a:t>luas</a:t>
-            </a:r>
-            <a:r>
-              <a:rPr lang="en-US" b="1" dirty="0" smtClean="0"/>
-              <a:t> </a:t>
-            </a:r>
-            <a:r>
-              <a:rPr lang="en-US" b="1" dirty="0" err="1" smtClean="0"/>
-              <a:t>segitiga</a:t>
-            </a:r>
-            <a:r>
-              <a:rPr lang="en-US" b="1" dirty="0" smtClean="0"/>
-              <a:t>.</a:t>
+              <a:t>Sub Class Shape: Circle.</a:t>
             </a:r>
             <a:endParaRPr lang="en-US" b="1" dirty="0"/>
           </a:p>
@@ -7413,7 +7376,7 @@
     </p:spTree>
     <p:extLst>
       <p:ext uri="{BB962C8B-B14F-4D97-AF65-F5344CB8AC3E}">
-        <p14:creationId xmlns:p14="http://schemas.microsoft.com/office/powerpoint/2010/main" val="1312432533"/>
+        <p14:creationId xmlns:p14="http://schemas.microsoft.com/office/powerpoint/2010/main" val="2006633985"/>
       </p:ext>
     </p:extLst>
   </p:cSld>
@@ -7504,8 +7467,8 @@
         </p:blipFill>
         <p:spPr>
           <a:xfrm>
-            <a:off x="3822700" y="1797889"/>
-            <a:ext cx="4904740" cy="3060131"/>
+            <a:off x="1950024" y="1334609"/>
+            <a:ext cx="8650092" cy="3986692"/>
           </a:xfrm>
         </p:spPr>
       </p:pic>
@@ -7518,7 +7481,7 @@
         <p:spPr>
           <a:xfrm>
             <a:off x="3664205" y="5487241"/>
-            <a:ext cx="5600700" cy="369332"/>
+            <a:ext cx="5600700" cy="646331"/>
           </a:xfrm>
           <a:prstGeom prst="rect">
             <a:avLst/>
@@ -7533,7 +7496,39 @@
           <a:p>
             <a:r>
               <a:rPr lang="en-US" b="1" dirty="0" smtClean="0"/>
-              <a:t>Sub Class Shape: Circle.</a:t>
+              <a:t>Main Class </a:t>
+            </a:r>
+            <a:r>
+              <a:rPr lang="en-US" b="1" dirty="0" err="1" smtClean="0"/>
+              <a:t>untuk</a:t>
+            </a:r>
+            <a:r>
+              <a:rPr lang="en-US" b="1" dirty="0" smtClean="0"/>
+              <a:t> package </a:t>
+            </a:r>
+            <a:r>
+              <a:rPr lang="en-US" b="1" dirty="0" err="1" smtClean="0"/>
+              <a:t>AbstractShape</a:t>
+            </a:r>
+            <a:r>
+              <a:rPr lang="en-US" b="1" dirty="0" smtClean="0"/>
+              <a:t> (</a:t>
+            </a:r>
+            <a:r>
+              <a:rPr lang="en-US" b="1" dirty="0" err="1" smtClean="0"/>
+              <a:t>Bangun</a:t>
+            </a:r>
+            <a:r>
+              <a:rPr lang="en-US" b="1" dirty="0" smtClean="0"/>
+              <a:t> </a:t>
+            </a:r>
+            <a:r>
+              <a:rPr lang="en-US" b="1" dirty="0" err="1" smtClean="0"/>
+              <a:t>Datar</a:t>
+            </a:r>
+            <a:r>
+              <a:rPr lang="en-US" b="1" dirty="0" smtClean="0"/>
+              <a:t>)</a:t>
             </a:r>
             <a:endParaRPr lang="en-US" b="1" dirty="0"/>
           </a:p>
@@ -7542,7 +7537,7 @@
     </p:spTree>
     <p:extLst>
       <p:ext uri="{BB962C8B-B14F-4D97-AF65-F5344CB8AC3E}">
-        <p14:creationId xmlns:p14="http://schemas.microsoft.com/office/powerpoint/2010/main" val="2006633985"/>
+        <p14:creationId xmlns:p14="http://schemas.microsoft.com/office/powerpoint/2010/main" val="572719635"/>
       </p:ext>
     </p:extLst>
   </p:cSld>
@@ -7633,167 +7628,6 @@
         </p:blipFill>
         <p:spPr>
           <a:xfrm>
-            <a:off x="1950024" y="1334609"/>
-            <a:ext cx="8650092" cy="3986692"/>
-          </a:xfrm>
-        </p:spPr>
-      </p:pic>
-      <p:sp>
-        <p:nvSpPr>
-          <p:cNvPr id="5" name="TextBox 4"/>
-          <p:cNvSpPr txBox="1"/>
-          <p:nvPr/>
-        </p:nvSpPr>
-        <p:spPr>
-          <a:xfrm>
-            <a:off x="3664205" y="5487241"/>
-            <a:ext cx="5600700" cy="646331"/>
-          </a:xfrm>
-          <a:prstGeom prst="rect">
-            <a:avLst/>
-          </a:prstGeom>
-          <a:noFill/>
-        </p:spPr>
-        <p:txBody>
-          <a:bodyPr wrap="square" rtlCol="0">
-            <a:spAutoFit/>
-          </a:bodyPr>
-          <a:lstStyle/>
-          <a:p>
-            <a:r>
-              <a:rPr lang="en-US" b="1" dirty="0" smtClean="0"/>
-              <a:t>Main Class </a:t>
-            </a:r>
-            <a:r>
-              <a:rPr lang="en-US" b="1" dirty="0" err="1" smtClean="0"/>
-              <a:t>untuk</a:t>
-            </a:r>
-            <a:r>
-              <a:rPr lang="en-US" b="1" dirty="0" smtClean="0"/>
-              <a:t> package </a:t>
-            </a:r>
-            <a:r>
-              <a:rPr lang="en-US" b="1" dirty="0" err="1" smtClean="0"/>
-              <a:t>AbstractShape</a:t>
-            </a:r>
-            <a:r>
-              <a:rPr lang="en-US" b="1" dirty="0" smtClean="0"/>
-              <a:t> (</a:t>
-            </a:r>
-            <a:r>
-              <a:rPr lang="en-US" b="1" dirty="0" err="1" smtClean="0"/>
-              <a:t>Bangun</a:t>
-            </a:r>
-            <a:r>
-              <a:rPr lang="en-US" b="1" dirty="0" smtClean="0"/>
-              <a:t> </a:t>
-            </a:r>
-            <a:r>
-              <a:rPr lang="en-US" b="1" dirty="0" err="1" smtClean="0"/>
-              <a:t>Datar</a:t>
-            </a:r>
-            <a:r>
-              <a:rPr lang="en-US" b="1" dirty="0" smtClean="0"/>
-              <a:t>)</a:t>
-            </a:r>
-            <a:endParaRPr lang="en-US" b="1" dirty="0"/>
-          </a:p>
-        </p:txBody>
-      </p:sp>
-    </p:spTree>
-    <p:extLst>
-      <p:ext uri="{BB962C8B-B14F-4D97-AF65-F5344CB8AC3E}">
-        <p14:creationId xmlns:p14="http://schemas.microsoft.com/office/powerpoint/2010/main" val="572719635"/>
-      </p:ext>
-    </p:extLst>
-  </p:cSld>
-  <p:clrMapOvr>
-    <a:masterClrMapping/>
-  </p:clrMapOvr>
-</p:sld>
-</file>
-
-<file path=ppt/slides/slide25.xml><?xml version="1.0" encoding="utf-8"?>
-<p:sld xmlns:a="http://schemas.openxmlformats.org/drawingml/2006/main" xmlns:r="http://schemas.openxmlformats.org/officeDocument/2006/relationships" xmlns:p="http://schemas.openxmlformats.org/presentationml/2006/main">
-  <p:cSld>
-    <p:spTree>
-      <p:nvGrpSpPr>
-        <p:cNvPr id="1" name=""/>
-        <p:cNvGrpSpPr/>
-        <p:nvPr/>
-      </p:nvGrpSpPr>
-      <p:grpSpPr>
-        <a:xfrm>
-          <a:off x="0" y="0"/>
-          <a:ext cx="0" cy="0"/>
-          <a:chOff x="0" y="0"/>
-          <a:chExt cx="0" cy="0"/>
-        </a:xfrm>
-      </p:grpSpPr>
-      <p:sp>
-        <p:nvSpPr>
-          <p:cNvPr id="2" name="Title 1"/>
-          <p:cNvSpPr>
-            <a:spLocks noGrp="1"/>
-          </p:cNvSpPr>
-          <p:nvPr>
-            <p:ph type="title"/>
-          </p:nvPr>
-        </p:nvSpPr>
-        <p:spPr>
-          <a:xfrm>
-            <a:off x="0" y="91440"/>
-            <a:ext cx="11292840" cy="1077229"/>
-          </a:xfrm>
-        </p:spPr>
-        <p:txBody>
-          <a:bodyPr/>
-          <a:lstStyle/>
-          <a:p>
-            <a:r>
-              <a:rPr lang="en-US" dirty="0" smtClean="0"/>
-              <a:t>Coding Abstract Class </a:t>
-            </a:r>
-            <a:r>
-              <a:rPr lang="en-US" dirty="0" err="1" smtClean="0"/>
-              <a:t>Bangun</a:t>
-            </a:r>
-            <a:r>
-              <a:rPr lang="en-US" dirty="0" smtClean="0"/>
-              <a:t> </a:t>
-            </a:r>
-            <a:r>
-              <a:rPr lang="en-US" dirty="0" err="1" smtClean="0"/>
-              <a:t>Datar</a:t>
-            </a:r>
-            <a:endParaRPr lang="en-US" dirty="0"/>
-          </a:p>
-        </p:txBody>
-      </p:sp>
-      <p:pic>
-        <p:nvPicPr>
-          <p:cNvPr id="4" name="Content Placeholder 3"/>
-          <p:cNvPicPr>
-            <a:picLocks noGrp="1" noChangeAspect="1"/>
-          </p:cNvPicPr>
-          <p:nvPr>
-            <p:ph idx="1"/>
-          </p:nvPr>
-        </p:nvPicPr>
-        <p:blipFill>
-          <a:blip r:embed="rId2">
-            <a:extLst>
-              <a:ext uri="{28A0092B-C50C-407E-A947-70E740481C1C}">
-                <a14:useLocalDpi xmlns:a14="http://schemas.microsoft.com/office/drawing/2010/main" val="0"/>
-              </a:ext>
-            </a:extLst>
-          </a:blip>
-          <a:stretch>
-            <a:fillRect/>
-          </a:stretch>
-        </p:blipFill>
-        <p:spPr>
-          <a:xfrm>
             <a:off x="1950024" y="2250384"/>
             <a:ext cx="8650092" cy="2155141"/>
           </a:xfrm>
@@ -7858,7 +7692,7 @@
 </p:sld>
 </file>
 
-<file path=ppt/slides/slide26.xml><?xml version="1.0" encoding="utf-8"?>
+<file path=ppt/slides/slide25.xml><?xml version="1.0" encoding="utf-8"?>
 <p:sld xmlns:a="http://schemas.openxmlformats.org/drawingml/2006/main" xmlns:r="http://schemas.openxmlformats.org/officeDocument/2006/relationships" xmlns:p="http://schemas.openxmlformats.org/presentationml/2006/main">
   <p:cSld>
     <p:spTree>

--- a/WeeklyTest1 - OO Bangun Ruang dan Datar/Weekly Test 1.pptx
+++ b/WeeklyTest1 - OO Bangun Ruang dan Datar/Weekly Test 1.pptx
@@ -23,13 +23,14 @@
     <p:sldId id="271" r:id="rId17"/>
     <p:sldId id="270" r:id="rId18"/>
     <p:sldId id="273" r:id="rId19"/>
-    <p:sldId id="272" r:id="rId20"/>
-    <p:sldId id="275" r:id="rId21"/>
-    <p:sldId id="276" r:id="rId22"/>
-    <p:sldId id="277" r:id="rId23"/>
-    <p:sldId id="278" r:id="rId24"/>
-    <p:sldId id="279" r:id="rId25"/>
-    <p:sldId id="280" r:id="rId26"/>
+    <p:sldId id="281" r:id="rId20"/>
+    <p:sldId id="272" r:id="rId21"/>
+    <p:sldId id="275" r:id="rId22"/>
+    <p:sldId id="276" r:id="rId23"/>
+    <p:sldId id="277" r:id="rId24"/>
+    <p:sldId id="278" r:id="rId25"/>
+    <p:sldId id="279" r:id="rId26"/>
+    <p:sldId id="280" r:id="rId27"/>
   </p:sldIdLst>
   <p:sldSz cx="12192000" cy="6858000"/>
   <p:notesSz cx="6858000" cy="9144000"/>
@@ -5642,8 +5643,8 @@
         </p:blipFill>
         <p:spPr>
           <a:xfrm>
-            <a:off x="3393581" y="1388096"/>
-            <a:ext cx="5762978" cy="3879719"/>
+            <a:off x="3971487" y="1388096"/>
+            <a:ext cx="4607166" cy="3879719"/>
           </a:xfrm>
         </p:spPr>
       </p:pic>
@@ -6137,8 +6138,8 @@
         </p:blipFill>
         <p:spPr>
           <a:xfrm>
-            <a:off x="2668960" y="2457515"/>
-            <a:ext cx="7212220" cy="1740880"/>
+            <a:off x="3517900" y="749960"/>
+            <a:ext cx="5107940" cy="5460792"/>
           </a:xfrm>
         </p:spPr>
       </p:pic>
@@ -6150,7 +6151,7 @@
         </p:nvSpPr>
         <p:spPr>
           <a:xfrm>
-            <a:off x="4070605" y="5891499"/>
+            <a:off x="4070605" y="6310599"/>
             <a:ext cx="5600700" cy="369332"/>
           </a:xfrm>
           <a:prstGeom prst="rect">
@@ -6166,7 +6167,7 @@
           <a:p>
             <a:r>
               <a:rPr lang="en-US" b="1" dirty="0" smtClean="0"/>
-              <a:t>Result </a:t>
+              <a:t>Sub Class </a:t>
             </a:r>
             <a:r>
               <a:rPr lang="en-US" b="1" dirty="0" err="1" smtClean="0"/>
@@ -6179,6 +6180,14 @@
             <a:r>
               <a:rPr lang="en-US" b="1" dirty="0" err="1" smtClean="0"/>
               <a:t>Ruang</a:t>
+            </a:r>
+            <a:r>
+              <a:rPr lang="en-US" b="1" dirty="0" smtClean="0"/>
+              <a:t>: </a:t>
+            </a:r>
+            <a:r>
+              <a:rPr lang="en-US" b="1" dirty="0" err="1" smtClean="0"/>
+              <a:t>Tabung</a:t>
             </a:r>
             <a:endParaRPr lang="en-US" b="1" dirty="0"/>
           </a:p>
@@ -6187,7 +6196,7 @@
     </p:spTree>
     <p:extLst>
       <p:ext uri="{BB962C8B-B14F-4D97-AF65-F5344CB8AC3E}">
-        <p14:creationId xmlns:p14="http://schemas.microsoft.com/office/powerpoint/2010/main" val="368768294"/>
+        <p14:creationId xmlns:p14="http://schemas.microsoft.com/office/powerpoint/2010/main" val="1380091806"/>
       </p:ext>
     </p:extLst>
   </p:cSld>
@@ -6870,7 +6879,23 @@
           <a:p>
             <a:r>
               <a:rPr lang="en-US" dirty="0" smtClean="0"/>
-              <a:t>Coding Abstract Class </a:t>
+              <a:t>Coding </a:t>
+            </a:r>
+            <a:r>
+              <a:rPr lang="en-US" dirty="0" err="1" smtClean="0"/>
+              <a:t>Polimorfisme</a:t>
+            </a:r>
+            <a:r>
+              <a:rPr lang="en-US" dirty="0" smtClean="0"/>
+              <a:t> + </a:t>
+            </a:r>
+            <a:r>
+              <a:rPr lang="en-US" dirty="0" err="1" smtClean="0"/>
+              <a:t>Enkapsulasi</a:t>
+            </a:r>
+            <a:r>
+              <a:rPr lang="en-US" dirty="0" smtClean="0"/>
+              <a:t> </a:t>
             </a:r>
             <a:r>
               <a:rPr lang="en-US" dirty="0" err="1" smtClean="0"/>
@@ -6882,7 +6907,7 @@
             </a:r>
             <a:r>
               <a:rPr lang="en-US" dirty="0" err="1" smtClean="0"/>
-              <a:t>Datar</a:t>
+              <a:t>Ruang</a:t>
             </a:r>
             <a:endParaRPr lang="en-US" dirty="0"/>
           </a:p>
@@ -6912,8 +6937,8 @@
         </p:blipFill>
         <p:spPr>
           <a:xfrm>
-            <a:off x="2933700" y="1433364"/>
-            <a:ext cx="6682740" cy="3789182"/>
+            <a:off x="3406574" y="2457515"/>
+            <a:ext cx="5736991" cy="1740880"/>
           </a:xfrm>
         </p:spPr>
       </p:pic>
@@ -6925,8 +6950,8 @@
         </p:nvSpPr>
         <p:spPr>
           <a:xfrm>
-            <a:off x="3664205" y="5487241"/>
-            <a:ext cx="5600700" cy="923330"/>
+            <a:off x="4070605" y="5891499"/>
+            <a:ext cx="5600700" cy="369332"/>
           </a:xfrm>
           <a:prstGeom prst="rect">
             <a:avLst/>
@@ -6941,87 +6966,19 @@
           <a:p>
             <a:r>
               <a:rPr lang="en-US" b="1" dirty="0" smtClean="0"/>
-              <a:t>Parent Abstract Class Shape </a:t>
+              <a:t>Result </a:t>
             </a:r>
             <a:r>
               <a:rPr lang="en-US" b="1" dirty="0" err="1" smtClean="0"/>
-              <a:t>dengan</a:t>
+              <a:t>Bangun</a:t>
             </a:r>
             <a:r>
               <a:rPr lang="en-US" b="1" dirty="0" smtClean="0"/>
-              <a:t> abstract method </a:t>
+              <a:t> </a:t>
             </a:r>
             <a:r>
               <a:rPr lang="en-US" b="1" dirty="0" err="1" smtClean="0"/>
-              <a:t>getArea</a:t>
-            </a:r>
-            <a:r>
-              <a:rPr lang="en-US" b="1" dirty="0" smtClean="0"/>
-              <a:t>() </a:t>
-            </a:r>
-            <a:r>
-              <a:rPr lang="en-US" b="1" dirty="0" err="1" smtClean="0"/>
-              <a:t>untuk</a:t>
-            </a:r>
-            <a:r>
-              <a:rPr lang="en-US" b="1" dirty="0" smtClean="0"/>
-              <a:t> </a:t>
-            </a:r>
-            <a:r>
-              <a:rPr lang="en-US" b="1" dirty="0" err="1" smtClean="0"/>
-              <a:t>mencari</a:t>
-            </a:r>
-            <a:r>
-              <a:rPr lang="en-US" b="1" dirty="0" smtClean="0"/>
-              <a:t> </a:t>
-            </a:r>
-            <a:r>
-              <a:rPr lang="en-US" b="1" dirty="0" err="1" smtClean="0"/>
-              <a:t>luas</a:t>
-            </a:r>
-            <a:r>
-              <a:rPr lang="en-US" b="1" dirty="0" smtClean="0"/>
-              <a:t> </a:t>
-            </a:r>
-            <a:r>
-              <a:rPr lang="en-US" b="1" dirty="0" err="1" smtClean="0"/>
-              <a:t>namun</a:t>
-            </a:r>
-            <a:r>
-              <a:rPr lang="en-US" b="1" dirty="0" smtClean="0"/>
-              <a:t> </a:t>
-            </a:r>
-            <a:r>
-              <a:rPr lang="en-US" b="1" dirty="0" err="1" smtClean="0"/>
-              <a:t>belum</a:t>
-            </a:r>
-            <a:r>
-              <a:rPr lang="en-US" b="1" dirty="0" smtClean="0"/>
-              <a:t> </a:t>
-            </a:r>
-            <a:r>
-              <a:rPr lang="en-US" b="1" dirty="0" err="1" smtClean="0"/>
-              <a:t>memiliki</a:t>
-            </a:r>
-            <a:r>
-              <a:rPr lang="en-US" b="1" dirty="0" smtClean="0"/>
-              <a:t> </a:t>
-            </a:r>
-            <a:r>
-              <a:rPr lang="en-US" b="1" dirty="0" err="1" smtClean="0"/>
-              <a:t>bentuk</a:t>
-            </a:r>
-            <a:r>
-              <a:rPr lang="en-US" b="1" dirty="0" smtClean="0"/>
-              <a:t> </a:t>
-            </a:r>
-            <a:r>
-              <a:rPr lang="en-US" b="1" dirty="0" err="1" smtClean="0"/>
-              <a:t>kongkrit</a:t>
-            </a:r>
-            <a:r>
-              <a:rPr lang="en-US" b="1" dirty="0" smtClean="0"/>
-              <a:t>.</a:t>
+              <a:t>Ruang</a:t>
             </a:r>
             <a:endParaRPr lang="en-US" b="1" dirty="0"/>
           </a:p>
@@ -7030,7 +6987,7 @@
     </p:spTree>
     <p:extLst>
       <p:ext uri="{BB962C8B-B14F-4D97-AF65-F5344CB8AC3E}">
-        <p14:creationId xmlns:p14="http://schemas.microsoft.com/office/powerpoint/2010/main" val="1533018217"/>
+        <p14:creationId xmlns:p14="http://schemas.microsoft.com/office/powerpoint/2010/main" val="368768294"/>
       </p:ext>
     </p:extLst>
   </p:cSld>
@@ -7121,8 +7078,8 @@
         </p:blipFill>
         <p:spPr>
           <a:xfrm>
-            <a:off x="3822700" y="1173595"/>
-            <a:ext cx="4904740" cy="4308720"/>
+            <a:off x="2933700" y="1433364"/>
+            <a:ext cx="6682740" cy="3789182"/>
           </a:xfrm>
         </p:spPr>
       </p:pic>
@@ -7135,7 +7092,7 @@
         <p:spPr>
           <a:xfrm>
             <a:off x="3664205" y="5487241"/>
-            <a:ext cx="5600700" cy="1200329"/>
+            <a:ext cx="5600700" cy="923330"/>
           </a:xfrm>
           <a:prstGeom prst="rect">
             <a:avLst/>
@@ -7150,7 +7107,15 @@
           <a:p>
             <a:r>
               <a:rPr lang="en-US" b="1" dirty="0" smtClean="0"/>
-              <a:t>Sub Class Shape: Triangle. Method abstract </a:t>
+              <a:t>Parent Abstract Class Shape </a:t>
+            </a:r>
+            <a:r>
+              <a:rPr lang="en-US" b="1" dirty="0" err="1" smtClean="0"/>
+              <a:t>dengan</a:t>
+            </a:r>
+            <a:r>
+              <a:rPr lang="en-US" b="1" dirty="0" smtClean="0"/>
+              <a:t> abstract method </a:t>
             </a:r>
             <a:r>
               <a:rPr lang="en-US" b="1" dirty="0" err="1" smtClean="0"/>
@@ -7158,11 +7123,43 @@
             </a:r>
             <a:r>
               <a:rPr lang="en-US" b="1" dirty="0" smtClean="0"/>
-              <a:t>() parent class Shape </a:t>
+              <a:t>() </a:t>
             </a:r>
             <a:r>
               <a:rPr lang="en-US" b="1" dirty="0" err="1" smtClean="0"/>
-              <a:t>mulai</a:t>
+              <a:t>untuk</a:t>
+            </a:r>
+            <a:r>
+              <a:rPr lang="en-US" b="1" dirty="0" smtClean="0"/>
+              <a:t> </a:t>
+            </a:r>
+            <a:r>
+              <a:rPr lang="en-US" b="1" dirty="0" err="1" smtClean="0"/>
+              <a:t>mencari</a:t>
+            </a:r>
+            <a:r>
+              <a:rPr lang="en-US" b="1" dirty="0" smtClean="0"/>
+              <a:t> </a:t>
+            </a:r>
+            <a:r>
+              <a:rPr lang="en-US" b="1" dirty="0" err="1" smtClean="0"/>
+              <a:t>luas</a:t>
+            </a:r>
+            <a:r>
+              <a:rPr lang="en-US" b="1" dirty="0" smtClean="0"/>
+              <a:t> </a:t>
+            </a:r>
+            <a:r>
+              <a:rPr lang="en-US" b="1" dirty="0" err="1" smtClean="0"/>
+              <a:t>namun</a:t>
+            </a:r>
+            <a:r>
+              <a:rPr lang="en-US" b="1" dirty="0" smtClean="0"/>
+              <a:t> </a:t>
+            </a:r>
+            <a:r>
+              <a:rPr lang="en-US" b="1" dirty="0" err="1" smtClean="0"/>
+              <a:t>belum</a:t>
             </a:r>
             <a:r>
               <a:rPr lang="en-US" b="1" dirty="0" smtClean="0"/>
@@ -7187,54 +7184,6 @@
             <a:r>
               <a:rPr lang="en-US" b="1" dirty="0" err="1" smtClean="0"/>
               <a:t>kongkrit</a:t>
-            </a:r>
-            <a:r>
-              <a:rPr lang="en-US" b="1" dirty="0" smtClean="0"/>
-              <a:t> </a:t>
-            </a:r>
-            <a:r>
-              <a:rPr lang="en-US" b="1" dirty="0" err="1" smtClean="0"/>
-              <a:t>dengan</a:t>
-            </a:r>
-            <a:r>
-              <a:rPr lang="en-US" b="1" dirty="0" smtClean="0"/>
-              <a:t> </a:t>
-            </a:r>
-            <a:r>
-              <a:rPr lang="en-US" b="1" dirty="0" err="1" smtClean="0"/>
-              <a:t>adanya</a:t>
-            </a:r>
-            <a:r>
-              <a:rPr lang="en-US" b="1" dirty="0" smtClean="0"/>
-              <a:t> </a:t>
-            </a:r>
-            <a:r>
-              <a:rPr lang="en-US" b="1" dirty="0" err="1" smtClean="0"/>
-              <a:t>rumus</a:t>
-            </a:r>
-            <a:r>
-              <a:rPr lang="en-US" b="1" dirty="0" smtClean="0"/>
-              <a:t> </a:t>
-            </a:r>
-            <a:r>
-              <a:rPr lang="en-US" b="1" dirty="0" err="1" smtClean="0"/>
-              <a:t>perhitungan</a:t>
-            </a:r>
-            <a:r>
-              <a:rPr lang="en-US" b="1" dirty="0" smtClean="0"/>
-              <a:t> </a:t>
-            </a:r>
-            <a:r>
-              <a:rPr lang="en-US" b="1" dirty="0" err="1" smtClean="0"/>
-              <a:t>luas</a:t>
-            </a:r>
-            <a:r>
-              <a:rPr lang="en-US" b="1" dirty="0" smtClean="0"/>
-              <a:t> </a:t>
-            </a:r>
-            <a:r>
-              <a:rPr lang="en-US" b="1" dirty="0" err="1" smtClean="0"/>
-              <a:t>segitiga</a:t>
             </a:r>
             <a:r>
               <a:rPr lang="en-US" b="1" dirty="0" smtClean="0"/>
@@ -7247,7 +7196,7 @@
     </p:spTree>
     <p:extLst>
       <p:ext uri="{BB962C8B-B14F-4D97-AF65-F5344CB8AC3E}">
-        <p14:creationId xmlns:p14="http://schemas.microsoft.com/office/powerpoint/2010/main" val="1312432533"/>
+        <p14:creationId xmlns:p14="http://schemas.microsoft.com/office/powerpoint/2010/main" val="1533018217"/>
       </p:ext>
     </p:extLst>
   </p:cSld>
@@ -7338,8 +7287,8 @@
         </p:blipFill>
         <p:spPr>
           <a:xfrm>
-            <a:off x="3822700" y="1797889"/>
-            <a:ext cx="4904740" cy="3060131"/>
+            <a:off x="3822700" y="1173595"/>
+            <a:ext cx="4904740" cy="4308720"/>
           </a:xfrm>
         </p:spPr>
       </p:pic>
@@ -7352,7 +7301,7 @@
         <p:spPr>
           <a:xfrm>
             <a:off x="3664205" y="5487241"/>
-            <a:ext cx="5600700" cy="369332"/>
+            <a:ext cx="5600700" cy="1200329"/>
           </a:xfrm>
           <a:prstGeom prst="rect">
             <a:avLst/>
@@ -7367,7 +7316,95 @@
           <a:p>
             <a:r>
               <a:rPr lang="en-US" b="1" dirty="0" smtClean="0"/>
-              <a:t>Sub Class Shape: Circle.</a:t>
+              <a:t>Sub Class Shape: Triangle. Method abstract </a:t>
+            </a:r>
+            <a:r>
+              <a:rPr lang="en-US" b="1" dirty="0" err="1" smtClean="0"/>
+              <a:t>getArea</a:t>
+            </a:r>
+            <a:r>
+              <a:rPr lang="en-US" b="1" dirty="0" smtClean="0"/>
+              <a:t>() parent class Shape </a:t>
+            </a:r>
+            <a:r>
+              <a:rPr lang="en-US" b="1" dirty="0" err="1" smtClean="0"/>
+              <a:t>mulai</a:t>
+            </a:r>
+            <a:r>
+              <a:rPr lang="en-US" b="1" dirty="0" smtClean="0"/>
+              <a:t> </a:t>
+            </a:r>
+            <a:r>
+              <a:rPr lang="en-US" b="1" dirty="0" err="1" smtClean="0"/>
+              <a:t>memiliki</a:t>
+            </a:r>
+            <a:r>
+              <a:rPr lang="en-US" b="1" dirty="0" smtClean="0"/>
+              <a:t> </a:t>
+            </a:r>
+            <a:r>
+              <a:rPr lang="en-US" b="1" dirty="0" err="1" smtClean="0"/>
+              <a:t>bentuk</a:t>
+            </a:r>
+            <a:r>
+              <a:rPr lang="en-US" b="1" dirty="0" smtClean="0"/>
+              <a:t> </a:t>
+            </a:r>
+            <a:r>
+              <a:rPr lang="en-US" b="1" dirty="0" err="1" smtClean="0"/>
+              <a:t>kongkrit</a:t>
+            </a:r>
+            <a:r>
+              <a:rPr lang="en-US" b="1" dirty="0" smtClean="0"/>
+              <a:t> </a:t>
+            </a:r>
+            <a:r>
+              <a:rPr lang="en-US" b="1" dirty="0" err="1" smtClean="0"/>
+              <a:t>dengan</a:t>
+            </a:r>
+            <a:r>
+              <a:rPr lang="en-US" b="1" dirty="0" smtClean="0"/>
+              <a:t> </a:t>
+            </a:r>
+            <a:r>
+              <a:rPr lang="en-US" b="1" dirty="0" err="1" smtClean="0"/>
+              <a:t>adanya</a:t>
+            </a:r>
+            <a:r>
+              <a:rPr lang="en-US" b="1" dirty="0" smtClean="0"/>
+              <a:t> </a:t>
+            </a:r>
+            <a:r>
+              <a:rPr lang="en-US" b="1" dirty="0" err="1" smtClean="0"/>
+              <a:t>rumus</a:t>
+            </a:r>
+            <a:r>
+              <a:rPr lang="en-US" b="1" dirty="0" smtClean="0"/>
+              <a:t> </a:t>
+            </a:r>
+            <a:r>
+              <a:rPr lang="en-US" b="1" dirty="0" err="1" smtClean="0"/>
+              <a:t>perhitungan</a:t>
+            </a:r>
+            <a:r>
+              <a:rPr lang="en-US" b="1" dirty="0" smtClean="0"/>
+              <a:t> </a:t>
+            </a:r>
+            <a:r>
+              <a:rPr lang="en-US" b="1" dirty="0" err="1" smtClean="0"/>
+              <a:t>luas</a:t>
+            </a:r>
+            <a:r>
+              <a:rPr lang="en-US" b="1" dirty="0" smtClean="0"/>
+              <a:t> </a:t>
+            </a:r>
+            <a:r>
+              <a:rPr lang="en-US" b="1" dirty="0" err="1" smtClean="0"/>
+              <a:t>segitiga</a:t>
+            </a:r>
+            <a:r>
+              <a:rPr lang="en-US" b="1" dirty="0" smtClean="0"/>
+              <a:t>.</a:t>
             </a:r>
             <a:endParaRPr lang="en-US" b="1" dirty="0"/>
           </a:p>
@@ -7376,7 +7413,7 @@
     </p:spTree>
     <p:extLst>
       <p:ext uri="{BB962C8B-B14F-4D97-AF65-F5344CB8AC3E}">
-        <p14:creationId xmlns:p14="http://schemas.microsoft.com/office/powerpoint/2010/main" val="2006633985"/>
+        <p14:creationId xmlns:p14="http://schemas.microsoft.com/office/powerpoint/2010/main" val="1312432533"/>
       </p:ext>
     </p:extLst>
   </p:cSld>
@@ -7467,8 +7504,8 @@
         </p:blipFill>
         <p:spPr>
           <a:xfrm>
-            <a:off x="1950024" y="1334609"/>
-            <a:ext cx="8650092" cy="3986692"/>
+            <a:off x="3822700" y="1797889"/>
+            <a:ext cx="4904740" cy="3060131"/>
           </a:xfrm>
         </p:spPr>
       </p:pic>
@@ -7481,7 +7518,7 @@
         <p:spPr>
           <a:xfrm>
             <a:off x="3664205" y="5487241"/>
-            <a:ext cx="5600700" cy="646331"/>
+            <a:ext cx="5600700" cy="369332"/>
           </a:xfrm>
           <a:prstGeom prst="rect">
             <a:avLst/>
@@ -7496,39 +7533,7 @@
           <a:p>
             <a:r>
               <a:rPr lang="en-US" b="1" dirty="0" smtClean="0"/>
-              <a:t>Main Class </a:t>
-            </a:r>
-            <a:r>
-              <a:rPr lang="en-US" b="1" dirty="0" err="1" smtClean="0"/>
-              <a:t>untuk</a:t>
-            </a:r>
-            <a:r>
-              <a:rPr lang="en-US" b="1" dirty="0" smtClean="0"/>
-              <a:t> package </a:t>
-            </a:r>
-            <a:r>
-              <a:rPr lang="en-US" b="1" dirty="0" err="1" smtClean="0"/>
-              <a:t>AbstractShape</a:t>
-            </a:r>
-            <a:r>
-              <a:rPr lang="en-US" b="1" dirty="0" smtClean="0"/>
-              <a:t> (</a:t>
-            </a:r>
-            <a:r>
-              <a:rPr lang="en-US" b="1" dirty="0" err="1" smtClean="0"/>
-              <a:t>Bangun</a:t>
-            </a:r>
-            <a:r>
-              <a:rPr lang="en-US" b="1" dirty="0" smtClean="0"/>
-              <a:t> </a:t>
-            </a:r>
-            <a:r>
-              <a:rPr lang="en-US" b="1" dirty="0" err="1" smtClean="0"/>
-              <a:t>Datar</a:t>
-            </a:r>
-            <a:r>
-              <a:rPr lang="en-US" b="1" dirty="0" smtClean="0"/>
-              <a:t>)</a:t>
+              <a:t>Sub Class Shape: Circle.</a:t>
             </a:r>
             <a:endParaRPr lang="en-US" b="1" dirty="0"/>
           </a:p>
@@ -7537,7 +7542,7 @@
     </p:spTree>
     <p:extLst>
       <p:ext uri="{BB962C8B-B14F-4D97-AF65-F5344CB8AC3E}">
-        <p14:creationId xmlns:p14="http://schemas.microsoft.com/office/powerpoint/2010/main" val="572719635"/>
+        <p14:creationId xmlns:p14="http://schemas.microsoft.com/office/powerpoint/2010/main" val="2006633985"/>
       </p:ext>
     </p:extLst>
   </p:cSld>
@@ -7628,6 +7633,167 @@
         </p:blipFill>
         <p:spPr>
           <a:xfrm>
+            <a:off x="1950024" y="1334609"/>
+            <a:ext cx="8650092" cy="3986692"/>
+          </a:xfrm>
+        </p:spPr>
+      </p:pic>
+      <p:sp>
+        <p:nvSpPr>
+          <p:cNvPr id="5" name="TextBox 4"/>
+          <p:cNvSpPr txBox="1"/>
+          <p:nvPr/>
+        </p:nvSpPr>
+        <p:spPr>
+          <a:xfrm>
+            <a:off x="3664205" y="5487241"/>
+            <a:ext cx="5600700" cy="646331"/>
+          </a:xfrm>
+          <a:prstGeom prst="rect">
+            <a:avLst/>
+          </a:prstGeom>
+          <a:noFill/>
+        </p:spPr>
+        <p:txBody>
+          <a:bodyPr wrap="square" rtlCol="0">
+            <a:spAutoFit/>
+          </a:bodyPr>
+          <a:lstStyle/>
+          <a:p>
+            <a:r>
+              <a:rPr lang="en-US" b="1" dirty="0" smtClean="0"/>
+              <a:t>Main Class </a:t>
+            </a:r>
+            <a:r>
+              <a:rPr lang="en-US" b="1" dirty="0" err="1" smtClean="0"/>
+              <a:t>untuk</a:t>
+            </a:r>
+            <a:r>
+              <a:rPr lang="en-US" b="1" dirty="0" smtClean="0"/>
+              <a:t> package </a:t>
+            </a:r>
+            <a:r>
+              <a:rPr lang="en-US" b="1" dirty="0" err="1" smtClean="0"/>
+              <a:t>AbstractShape</a:t>
+            </a:r>
+            <a:r>
+              <a:rPr lang="en-US" b="1" dirty="0" smtClean="0"/>
+              <a:t> (</a:t>
+            </a:r>
+            <a:r>
+              <a:rPr lang="en-US" b="1" dirty="0" err="1" smtClean="0"/>
+              <a:t>Bangun</a:t>
+            </a:r>
+            <a:r>
+              <a:rPr lang="en-US" b="1" dirty="0" smtClean="0"/>
+              <a:t> </a:t>
+            </a:r>
+            <a:r>
+              <a:rPr lang="en-US" b="1" dirty="0" err="1" smtClean="0"/>
+              <a:t>Datar</a:t>
+            </a:r>
+            <a:r>
+              <a:rPr lang="en-US" b="1" dirty="0" smtClean="0"/>
+              <a:t>)</a:t>
+            </a:r>
+            <a:endParaRPr lang="en-US" b="1" dirty="0"/>
+          </a:p>
+        </p:txBody>
+      </p:sp>
+    </p:spTree>
+    <p:extLst>
+      <p:ext uri="{BB962C8B-B14F-4D97-AF65-F5344CB8AC3E}">
+        <p14:creationId xmlns:p14="http://schemas.microsoft.com/office/powerpoint/2010/main" val="572719635"/>
+      </p:ext>
+    </p:extLst>
+  </p:cSld>
+  <p:clrMapOvr>
+    <a:masterClrMapping/>
+  </p:clrMapOvr>
+</p:sld>
+</file>
+
+<file path=ppt/slides/slide25.xml><?xml version="1.0" encoding="utf-8"?>
+<p:sld xmlns:a="http://schemas.openxmlformats.org/drawingml/2006/main" xmlns:r="http://schemas.openxmlformats.org/officeDocument/2006/relationships" xmlns:p="http://schemas.openxmlformats.org/presentationml/2006/main">
+  <p:cSld>
+    <p:spTree>
+      <p:nvGrpSpPr>
+        <p:cNvPr id="1" name=""/>
+        <p:cNvGrpSpPr/>
+        <p:nvPr/>
+      </p:nvGrpSpPr>
+      <p:grpSpPr>
+        <a:xfrm>
+          <a:off x="0" y="0"/>
+          <a:ext cx="0" cy="0"/>
+          <a:chOff x="0" y="0"/>
+          <a:chExt cx="0" cy="0"/>
+        </a:xfrm>
+      </p:grpSpPr>
+      <p:sp>
+        <p:nvSpPr>
+          <p:cNvPr id="2" name="Title 1"/>
+          <p:cNvSpPr>
+            <a:spLocks noGrp="1"/>
+          </p:cNvSpPr>
+          <p:nvPr>
+            <p:ph type="title"/>
+          </p:nvPr>
+        </p:nvSpPr>
+        <p:spPr>
+          <a:xfrm>
+            <a:off x="0" y="91440"/>
+            <a:ext cx="11292840" cy="1077229"/>
+          </a:xfrm>
+        </p:spPr>
+        <p:txBody>
+          <a:bodyPr/>
+          <a:lstStyle/>
+          <a:p>
+            <a:r>
+              <a:rPr lang="en-US" dirty="0" smtClean="0"/>
+              <a:t>Coding Abstract Class </a:t>
+            </a:r>
+            <a:r>
+              <a:rPr lang="en-US" dirty="0" err="1" smtClean="0"/>
+              <a:t>Bangun</a:t>
+            </a:r>
+            <a:r>
+              <a:rPr lang="en-US" dirty="0" smtClean="0"/>
+              <a:t> </a:t>
+            </a:r>
+            <a:r>
+              <a:rPr lang="en-US" dirty="0" err="1" smtClean="0"/>
+              <a:t>Datar</a:t>
+            </a:r>
+            <a:endParaRPr lang="en-US" dirty="0"/>
+          </a:p>
+        </p:txBody>
+      </p:sp>
+      <p:pic>
+        <p:nvPicPr>
+          <p:cNvPr id="4" name="Content Placeholder 3"/>
+          <p:cNvPicPr>
+            <a:picLocks noGrp="1" noChangeAspect="1"/>
+          </p:cNvPicPr>
+          <p:nvPr>
+            <p:ph idx="1"/>
+          </p:nvPr>
+        </p:nvPicPr>
+        <p:blipFill>
+          <a:blip r:embed="rId2">
+            <a:extLst>
+              <a:ext uri="{28A0092B-C50C-407E-A947-70E740481C1C}">
+                <a14:useLocalDpi xmlns:a14="http://schemas.microsoft.com/office/drawing/2010/main" val="0"/>
+              </a:ext>
+            </a:extLst>
+          </a:blip>
+          <a:stretch>
+            <a:fillRect/>
+          </a:stretch>
+        </p:blipFill>
+        <p:spPr>
+          <a:xfrm>
             <a:off x="1950024" y="2250384"/>
             <a:ext cx="8650092" cy="2155141"/>
           </a:xfrm>
@@ -7692,7 +7858,7 @@
 </p:sld>
 </file>
 
-<file path=ppt/slides/slide25.xml><?xml version="1.0" encoding="utf-8"?>
+<file path=ppt/slides/slide26.xml><?xml version="1.0" encoding="utf-8"?>
 <p:sld xmlns:a="http://schemas.openxmlformats.org/drawingml/2006/main" xmlns:r="http://schemas.openxmlformats.org/officeDocument/2006/relationships" xmlns:p="http://schemas.openxmlformats.org/presentationml/2006/main">
   <p:cSld>
     <p:spTree>

--- a/WeeklyTest1 - OO Bangun Ruang dan Datar/Weekly Test 1.pptx
+++ b/WeeklyTest1 - OO Bangun Ruang dan Datar/Weekly Test 1.pptx
@@ -4547,7 +4547,12 @@
             <p:ph type="ctrTitle"/>
           </p:nvPr>
         </p:nvSpPr>
-        <p:spPr/>
+        <p:spPr>
+          <a:xfrm>
+            <a:off x="2611808" y="1523998"/>
+            <a:ext cx="5518066" cy="2268559"/>
+          </a:xfrm>
+        </p:spPr>
         <p:txBody>
           <a:bodyPr>
             <a:normAutofit fontScale="90000"/>
@@ -4556,7 +4561,62 @@
           <a:p>
             <a:r>
               <a:rPr lang="en-US" dirty="0" smtClean="0"/>
-              <a:t>Weekly Test 1</a:t>
+              <a:t>Weekly Test </a:t>
+            </a:r>
+            <a:r>
+              <a:rPr lang="en-US" dirty="0" smtClean="0"/>
+              <a:t>1</a:t>
+            </a:r>
+            <a:br>
+              <a:rPr lang="en-US" dirty="0" smtClean="0"/>
+            </a:br>
+            <a:r>
+              <a:rPr lang="en-US" dirty="0" smtClean="0"/>
+              <a:t>(</a:t>
+            </a:r>
+            <a:r>
+              <a:rPr lang="en-US" dirty="0" err="1" smtClean="0"/>
+              <a:t>Bangun</a:t>
+            </a:r>
+            <a:r>
+              <a:rPr lang="en-US" dirty="0" smtClean="0"/>
+              <a:t> </a:t>
+            </a:r>
+            <a:r>
+              <a:rPr lang="en-US" dirty="0" err="1" smtClean="0"/>
+              <a:t>Ruang</a:t>
+            </a:r>
+            <a:r>
+              <a:rPr lang="en-US" dirty="0" smtClean="0"/>
+              <a:t> </a:t>
+            </a:r>
+            <a:r>
+              <a:rPr lang="en-US" dirty="0" err="1" smtClean="0"/>
+              <a:t>dan</a:t>
+            </a:r>
+            <a:r>
+              <a:rPr lang="en-US" dirty="0" smtClean="0"/>
+              <a:t> </a:t>
+            </a:r>
+            <a:r>
+              <a:rPr lang="en-US" dirty="0" err="1" smtClean="0"/>
+              <a:t>Bangun</a:t>
+            </a:r>
+            <a:r>
+              <a:rPr lang="en-US" dirty="0" smtClean="0"/>
+              <a:t> </a:t>
+            </a:r>
+            <a:r>
+              <a:rPr lang="en-US" dirty="0" err="1" smtClean="0"/>
+              <a:t>Datar</a:t>
+            </a:r>
+            <a:r>
+              <a:rPr lang="en-US" dirty="0" smtClean="0"/>
+              <a:t>)</a:t>
+            </a:r>
+            <a:r>
+              <a:rPr lang="en-US" dirty="0" smtClean="0"/>
+              <a:t/>
             </a:r>
             <a:br>
               <a:rPr lang="en-US" dirty="0" smtClean="0"/>
